--- a/Addition pyramid - Maths/Algebra Addition Pyramid.pptx
+++ b/Addition pyramid - Maths/Algebra Addition Pyramid.pptx
@@ -993,7 +993,7 @@
           <a:p>
             <a:fld id="{E6DFB58E-4E3F-4D55-B2E5-02D799E9DDB0}" type="datetimeFigureOut">
               <a:rPr lang="en-GB" smtClean="0"/>
-              <a:t>27/06/2023</a:t>
+              <a:t>28/06/2023</a:t>
             </a:fld>
             <a:endParaRPr lang="en-GB"/>
           </a:p>
@@ -1485,7 +1485,7 @@
           <a:p>
             <a:fld id="{E6DFB58E-4E3F-4D55-B2E5-02D799E9DDB0}" type="datetimeFigureOut">
               <a:rPr lang="en-GB" smtClean="0"/>
-              <a:t>27/06/2023</a:t>
+              <a:t>28/06/2023</a:t>
             </a:fld>
             <a:endParaRPr lang="en-GB"/>
           </a:p>
@@ -1917,7 +1917,11 @@
           <a:p>
             <a:r>
               <a:rPr lang="en-US" dirty="0"/>
-              <a:t>Learning objectives</a:t>
+              <a:t>Algebra Addition</a:t>
+            </a:r>
+            <a:r>
+              <a:rPr lang="en-US" baseline="0" dirty="0"/>
+              <a:t> Pyramid</a:t>
             </a:r>
             <a:endParaRPr lang="en-GB" dirty="0"/>
           </a:p>
@@ -1925,11 +1929,11 @@
       </p:sp>
       <p:sp>
         <p:nvSpPr>
-          <p:cNvPr id="4" name="Rectangle 3">
+          <p:cNvPr id="3" name="Rectangle 2">
             <a:hlinkClick r:id="rId5" action="ppaction://hlinkfile"/>
             <a:extLst>
               <a:ext uri="{FF2B5EF4-FFF2-40B4-BE49-F238E27FC236}">
-                <a16:creationId xmlns:a16="http://schemas.microsoft.com/office/drawing/2014/main" id="{F3B541D9-A7B6-3BDA-1AE9-B7D744F6324E}"/>
+                <a16:creationId xmlns:a16="http://schemas.microsoft.com/office/drawing/2014/main" id="{F3789FF5-F393-F4FD-03B9-95B9FD453D49}"/>
               </a:ext>
             </a:extLst>
           </p:cNvPr>
@@ -2039,10 +2043,10 @@
   <p:tag name="ISPRING_SCORM_ENDPOINT" val="&lt;endpoint&gt;&lt;enable&gt;0&lt;/enable&gt;&lt;lrs&gt;http://&lt;/lrs&gt;&lt;auth&gt;0&lt;/auth&gt;&lt;login&gt;&lt;/login&gt;&lt;password&gt;&lt;/password&gt;&lt;key&gt;&lt;/key&gt;&lt;name&gt;&lt;/name&gt;&lt;email&gt;&lt;/email&gt;&lt;/endpoint&gt;&#10;"/>
   <p:tag name="ISPRING_OUTPUT_FOLDER" val="[[&quot;\uFFFD\uFFFD\tr{89FDC8FA-B412-4ADE-93CF-7F8224097B91}&quot;,&quot;P:\\Flash Conversion project\\2021 Outsourcing project\\FINAL PRESENTATIONS\\Maths\\KS4\\Types of data&quot;],[&quot;\u0010\uFFFD\uFFFD\uFFFD{C1295D3B-B04E-47F8-9C79-4B875E607621}&quot;,&quot;C:\\Users\\C141\\Desktop\\New folder (15)\\New folder&quot;],[&quot;\u0010\uFFFD\uFFFD\uFFFD{4A5A50E8-F8E0-48E6-B8D6-4DEF94A330EA}&quot;,&quot;C:\\Users\\C122\\Desktop\\New folder&quot;]]"/>
   <p:tag name="ISPRING_PUBLISH_SETTINGS" val="{&quot;commonSettings&quot;:{&quot;webSettings&quot;:{&quot;useMobileViewer&quot;:&quot;T_FALSE&quot;},&quot;lmsSettings&quot;:{&quot;useMobileViewer&quot;:&quot;T_FALSE&quot;},&quot;cloudSettings&quot;:{&quot;useMobileViewer&quot;:&quot;T_FALSE&quot;},&quot;ispringLmsSettings&quot;:{&quot;useMobileViewer&quot;:&quot;T_FALSE&quot;},&quot;playerId&quot;:&quot;universal&quot;},&quot;advancedSettings&quot;:{&quot;enableTextAllocation&quot;:&quot;T_TRUE&quot;,&quot;viewingFromLocalDrive&quot;:&quot;T_TRUE&quot;,&quot;contentScale&quot;:75,&quot;contentScaleMode&quot;:&quot;FIT_TO_WINDOW&quot;},&quot;compressionSettings&quot;:{&quot;imageSettings&quot;:{&quot;jpegQuality&quot;:70,&quot;optimizeImageForResolution&quot;:&quot;T_FALSE&quot;},&quot;audioQuality&quot;:70,&quot;videoQuality&quot;:65},&quot;protectionSettings&quot;:{&quot;watermarkEnabled&quot;:&quot;T_FALSE&quot;,&quot;watermarkPosition&quot;:&quot;MIDDLE_CENTER&quot;,&quot;openWatermarkUrl&quot;:&quot;T_FALSE&quot;,&quot;openWatermarkWebPageInNewWindow&quot;:&quot;T_FALSE&quot;,&quot;displayAfterEnabled&quot;:&quot;T_FALSE&quot;,&quot;displayUntilEnabled&quot;:&quot;T_FALSE&quot;,&quot;domainRestrictionEnabled&quot;:&quot;T_FALSE&quot;,&quot;enablePassword&quot;:&quot;T_FALSE&quot;},&quot;videoSettings&quot;:{&quot;videoCompressionSettings&quot;:{&quot;audioQuality&quot;:70,&quot;videoQuality&quot;:75},&quot;secondsOnEachSlide&quot;:5,&quot;hostingSettings&quot;:{}},&quot;ispringOnlineSettings&quot;:{&quot;onlineDestinationFolderId&quot;:&quot;1&quot;},&quot;cloudSettings&quot;:{&quot;onlineDestinationFolderId&quot;:&quot;1&quot;},&quot;wordSettings&quot;:{&quot;printCopies&quot;:1}}"/>
-  <p:tag name="ISPRING_SCREEN_RECS_UPDATED" val="C:\Users\TawandaMsengezi\Documents\Source Code\Doddle Learn\Building 3D shapes using cubes - Maths\Building 3D Shapes Using Cubes\"/>
-  <p:tag name="ISPRING_RESOURCE_FOLDER" val="C:\Users\TawandaMsengezi\Documents\Source Code\Doddle Learn\Building 3D shapes using cubes - Maths\Building 3D Shapes Using Cubes\"/>
-  <p:tag name="ISPRING_PRESENTATION_PATH" val="C:\Users\TawandaMsengezi\Documents\Source Code\Doddle Learn\Building 3D shapes using cubes - Maths\Building 3D Shapes Using Cubes.pptx"/>
   <p:tag name="ISPRING_UUID" val="{EBEE6D66-3B76-44F6-92FA-BE4C2F5B632B}"/>
+  <p:tag name="ISPRING_SCREEN_RECS_UPDATED" val="C:\Users\TawandaMsengezi\Documents\Source Code\Doddle Learn\Addition pyramid - Maths\Algebra Addition Pyramid\"/>
+  <p:tag name="ISPRING_RESOURCE_FOLDER" val="C:\Users\TawandaMsengezi\Documents\Source Code\Doddle Learn\Addition pyramid - Maths\Algebra Addition Pyramid\"/>
+  <p:tag name="ISPRING_PRESENTATION_PATH" val="C:\Users\TawandaMsengezi\Documents\Source Code\Doddle Learn\Addition pyramid - Maths\Algebra Addition Pyramid.pptx"/>
 </p:tagLst>
 </file>
 
@@ -2055,8 +2059,8 @@
 
 <file path=ppt/tags/tag3.xml><?xml version="1.0" encoding="utf-8"?>
 <p:tagLst xmlns:a="http://schemas.openxmlformats.org/drawingml/2006/main" xmlns:r="http://schemas.openxmlformats.org/officeDocument/2006/relationships" xmlns:p="http://schemas.openxmlformats.org/presentationml/2006/main">
-  <p:tag name="ISPRING_WO_WEB_ADDRESS" val="C:\Users\TawandaMsengezi\Documents\Source Code\Doddle Learn\Building 3D shapes using cubes - Maths\Building 3D Shapes Using Cubes\webobject\wo1\index.html"/>
-  <p:tag name="ISPRING_WO_WEB_ADDRESS_RELATIVE" val="Building 3D Shapes Using Cubes\webobject\wo1\index.html"/>
+  <p:tag name="ISPRING_WO_WEB_ADDRESS" val="C:\Users\TawandaMsengezi\Documents\Source Code\Doddle Learn\Addition pyramid - Maths\Algebra Addition Pyramid\webobject\wo2\index.html"/>
+  <p:tag name="ISPRING_WO_WEB_ADDRESS_RELATIVE" val="Algebra Addition Pyramid\webobject\wo2\index.html"/>
   <p:tag name="ISPRING_WO_DISPLAY_IN_SLIDE" val="0"/>
   <p:tag name="ISPRING_WO_FULL_SIZE" val="1"/>
   <p:tag name="ISPRING_WO_WINDOW_WIDTH" val="720"/>
@@ -2659,6 +2663,33 @@
 </file>
 
 <file path=customXml/item1.xml><?xml version="1.0" encoding="utf-8"?>
+<?mso-contentType ?>
+<FormTemplates xmlns="http://schemas.microsoft.com/sharepoint/v3/contenttype/forms">
+  <Display>DocumentLibraryForm</Display>
+  <Edit>DocumentLibraryForm</Edit>
+  <New>DocumentLibraryForm</New>
+</FormTemplates>
+</file>
+
+<file path=customXml/item2.xml><?xml version="1.0" encoding="utf-8"?>
+<p:properties xmlns:p="http://schemas.microsoft.com/office/2006/metadata/properties" xmlns:xsi="http://www.w3.org/2001/XMLSchema-instance" xmlns:pc="http://schemas.microsoft.com/office/infopath/2007/PartnerControls">
+  <documentManagement>
+    <TaxCatchAll xmlns="90306f75-ff1e-4f70-9be5-617504c1db72" xsi:nil="true"/>
+    <lcf76f155ced4ddcb4097134ff3c332f xmlns="f226f638-bde2-48bf-9694-22e552c9bd3d">
+      <Terms xmlns="http://schemas.microsoft.com/office/infopath/2007/PartnerControls"/>
+    </lcf76f155ced4ddcb4097134ff3c332f>
+    <SharedWithUsers xmlns="90306f75-ff1e-4f70-9be5-617504c1db72">
+      <UserInfo>
+        <DisplayName>Tawanda Msengezi</DisplayName>
+        <AccountId>2040</AccountId>
+        <AccountType/>
+      </UserInfo>
+    </SharedWithUsers>
+  </documentManagement>
+</p:properties>
+</file>
+
+<file path=customXml/item3.xml><?xml version="1.0" encoding="utf-8"?>
 <ct:contentTypeSchema xmlns:ct="http://schemas.microsoft.com/office/2006/metadata/contentType" xmlns:ma="http://schemas.microsoft.com/office/2006/metadata/properties/metaAttributes" ct:_="" ma:_="" ma:contentTypeName="Document" ma:contentTypeID="0x01010001AFD249C2071E4CAAE1F126DFE074C8" ma:contentTypeVersion="15" ma:contentTypeDescription="Create a new document." ma:contentTypeScope="" ma:versionID="0d7ce012d1d83709f6d8b5f8082c88c7">
   <xsd:schema xmlns:xsd="http://www.w3.org/2001/XMLSchema" xmlns:xs="http://www.w3.org/2001/XMLSchema" xmlns:p="http://schemas.microsoft.com/office/2006/metadata/properties" xmlns:ns2="f226f638-bde2-48bf-9694-22e552c9bd3d" xmlns:ns3="90306f75-ff1e-4f70-9be5-617504c1db72" targetNamespace="http://schemas.microsoft.com/office/2006/metadata/properties" ma:root="true" ma:fieldsID="2edf6eb813ba9d3d48b99f753cf2f3bd" ns2:_="" ns3:_="">
     <xsd:import namespace="f226f638-bde2-48bf-9694-22e552c9bd3d"/>
@@ -2895,34 +2926,26 @@
 </ct:contentTypeSchema>
 </file>
 
-<file path=customXml/item2.xml><?xml version="1.0" encoding="utf-8"?>
-<p:properties xmlns:p="http://schemas.microsoft.com/office/2006/metadata/properties" xmlns:xsi="http://www.w3.org/2001/XMLSchema-instance" xmlns:pc="http://schemas.microsoft.com/office/infopath/2007/PartnerControls">
-  <documentManagement>
-    <TaxCatchAll xmlns="90306f75-ff1e-4f70-9be5-617504c1db72" xsi:nil="true"/>
-    <lcf76f155ced4ddcb4097134ff3c332f xmlns="f226f638-bde2-48bf-9694-22e552c9bd3d">
-      <Terms xmlns="http://schemas.microsoft.com/office/infopath/2007/PartnerControls"/>
-    </lcf76f155ced4ddcb4097134ff3c332f>
-    <SharedWithUsers xmlns="90306f75-ff1e-4f70-9be5-617504c1db72">
-      <UserInfo>
-        <DisplayName>Tawanda Msengezi</DisplayName>
-        <AccountId>2040</AccountId>
-        <AccountType/>
-      </UserInfo>
-    </SharedWithUsers>
-  </documentManagement>
-</p:properties>
+<file path=customXml/itemProps1.xml><?xml version="1.0" encoding="utf-8"?>
+<ds:datastoreItem xmlns:ds="http://schemas.openxmlformats.org/officeDocument/2006/customXml" ds:itemID="{4912F7C4-530C-4B2A-BC49-641150456A9C}">
+  <ds:schemaRefs>
+    <ds:schemaRef ds:uri="http://schemas.microsoft.com/sharepoint/v3/contenttype/forms"/>
+  </ds:schemaRefs>
+</ds:datastoreItem>
 </file>
 
-<file path=customXml/item3.xml><?xml version="1.0" encoding="utf-8"?>
-<?mso-contentType ?>
-<FormTemplates xmlns="http://schemas.microsoft.com/sharepoint/v3/contenttype/forms">
-  <Display>DocumentLibraryForm</Display>
-  <Edit>DocumentLibraryForm</Edit>
-  <New>DocumentLibraryForm</New>
-</FormTemplates>
+<file path=customXml/itemProps2.xml><?xml version="1.0" encoding="utf-8"?>
+<ds:datastoreItem xmlns:ds="http://schemas.openxmlformats.org/officeDocument/2006/customXml" ds:itemID="{7B3642D5-A828-4D5F-8F4F-45D3E6617C18}">
+  <ds:schemaRefs>
+    <ds:schemaRef ds:uri="http://schemas.microsoft.com/office/2006/metadata/properties"/>
+    <ds:schemaRef ds:uri="http://schemas.microsoft.com/office/infopath/2007/PartnerControls"/>
+    <ds:schemaRef ds:uri="90306f75-ff1e-4f70-9be5-617504c1db72"/>
+    <ds:schemaRef ds:uri="f226f638-bde2-48bf-9694-22e552c9bd3d"/>
+  </ds:schemaRefs>
+</ds:datastoreItem>
 </file>
 
-<file path=customXml/itemProps1.xml><?xml version="1.0" encoding="utf-8"?>
+<file path=customXml/itemProps3.xml><?xml version="1.0" encoding="utf-8"?>
 <ds:datastoreItem xmlns:ds="http://schemas.openxmlformats.org/officeDocument/2006/customXml" ds:itemID="{21A87631-731F-4DC5-95FE-18EEE6C13036}">
   <ds:schemaRefs>
     <ds:schemaRef ds:uri="http://schemas.microsoft.com/office/2006/metadata/contentType"/>
@@ -2939,23 +2962,4 @@
     <ds:schemaRef ds:uri="http://schemas.microsoft.com/internal/obd"/>
   </ds:schemaRefs>
 </ds:datastoreItem>
-</file>
-
-<file path=customXml/itemProps2.xml><?xml version="1.0" encoding="utf-8"?>
-<ds:datastoreItem xmlns:ds="http://schemas.openxmlformats.org/officeDocument/2006/customXml" ds:itemID="{7B3642D5-A828-4D5F-8F4F-45D3E6617C18}">
-  <ds:schemaRefs>
-    <ds:schemaRef ds:uri="http://schemas.microsoft.com/office/2006/metadata/properties"/>
-    <ds:schemaRef ds:uri="http://schemas.microsoft.com/office/infopath/2007/PartnerControls"/>
-    <ds:schemaRef ds:uri="90306f75-ff1e-4f70-9be5-617504c1db72"/>
-    <ds:schemaRef ds:uri="f226f638-bde2-48bf-9694-22e552c9bd3d"/>
-  </ds:schemaRefs>
-</ds:datastoreItem>
-</file>
-
-<file path=customXml/itemProps3.xml><?xml version="1.0" encoding="utf-8"?>
-<ds:datastoreItem xmlns:ds="http://schemas.openxmlformats.org/officeDocument/2006/customXml" ds:itemID="{4912F7C4-530C-4B2A-BC49-641150456A9C}">
-  <ds:schemaRefs>
-    <ds:schemaRef ds:uri="http://schemas.microsoft.com/sharepoint/v3/contenttype/forms"/>
-  </ds:schemaRefs>
-</ds:datastoreItem>
 </file>